--- a/GUI/Icon/Icon Generator.pptx
+++ b/GUI/Icon/Icon Generator.pptx
@@ -111,6 +111,11 @@
       </a:defRPr>
     </a:lvl9pPr>
   </p:defaultTextStyle>
+  <p:extLst>
+    <p:ext uri="{EFAFB233-063F-42B5-8137-9DF3F51BA10A}">
+      <p15:sldGuideLst xmlns:p15="http://schemas.microsoft.com/office/powerpoint/2012/main"/>
+    </p:ext>
+  </p:extLst>
 </p:presentation>
 </file>
 
@@ -245,7 +250,7 @@
           <a:p>
             <a:fld id="{AB12B46A-5483-418B-98D9-899C32F0B18B}" type="datetimeFigureOut">
               <a:rPr lang="en-ID" smtClean="0"/>
-              <a:t>11/06/2019</a:t>
+              <a:t>17/07/2019</a:t>
             </a:fld>
             <a:endParaRPr lang="en-ID"/>
           </a:p>
@@ -415,7 +420,7 @@
           <a:p>
             <a:fld id="{AB12B46A-5483-418B-98D9-899C32F0B18B}" type="datetimeFigureOut">
               <a:rPr lang="en-ID" smtClean="0"/>
-              <a:t>11/06/2019</a:t>
+              <a:t>17/07/2019</a:t>
             </a:fld>
             <a:endParaRPr lang="en-ID"/>
           </a:p>
@@ -595,7 +600,7 @@
           <a:p>
             <a:fld id="{AB12B46A-5483-418B-98D9-899C32F0B18B}" type="datetimeFigureOut">
               <a:rPr lang="en-ID" smtClean="0"/>
-              <a:t>11/06/2019</a:t>
+              <a:t>17/07/2019</a:t>
             </a:fld>
             <a:endParaRPr lang="en-ID"/>
           </a:p>
@@ -765,7 +770,7 @@
           <a:p>
             <a:fld id="{AB12B46A-5483-418B-98D9-899C32F0B18B}" type="datetimeFigureOut">
               <a:rPr lang="en-ID" smtClean="0"/>
-              <a:t>11/06/2019</a:t>
+              <a:t>17/07/2019</a:t>
             </a:fld>
             <a:endParaRPr lang="en-ID"/>
           </a:p>
@@ -1009,7 +1014,7 @@
           <a:p>
             <a:fld id="{AB12B46A-5483-418B-98D9-899C32F0B18B}" type="datetimeFigureOut">
               <a:rPr lang="en-ID" smtClean="0"/>
-              <a:t>11/06/2019</a:t>
+              <a:t>17/07/2019</a:t>
             </a:fld>
             <a:endParaRPr lang="en-ID"/>
           </a:p>
@@ -1241,7 +1246,7 @@
           <a:p>
             <a:fld id="{AB12B46A-5483-418B-98D9-899C32F0B18B}" type="datetimeFigureOut">
               <a:rPr lang="en-ID" smtClean="0"/>
-              <a:t>11/06/2019</a:t>
+              <a:t>17/07/2019</a:t>
             </a:fld>
             <a:endParaRPr lang="en-ID"/>
           </a:p>
@@ -1608,7 +1613,7 @@
           <a:p>
             <a:fld id="{AB12B46A-5483-418B-98D9-899C32F0B18B}" type="datetimeFigureOut">
               <a:rPr lang="en-ID" smtClean="0"/>
-              <a:t>11/06/2019</a:t>
+              <a:t>17/07/2019</a:t>
             </a:fld>
             <a:endParaRPr lang="en-ID"/>
           </a:p>
@@ -1726,7 +1731,7 @@
           <a:p>
             <a:fld id="{AB12B46A-5483-418B-98D9-899C32F0B18B}" type="datetimeFigureOut">
               <a:rPr lang="en-ID" smtClean="0"/>
-              <a:t>11/06/2019</a:t>
+              <a:t>17/07/2019</a:t>
             </a:fld>
             <a:endParaRPr lang="en-ID"/>
           </a:p>
@@ -1821,7 +1826,7 @@
           <a:p>
             <a:fld id="{AB12B46A-5483-418B-98D9-899C32F0B18B}" type="datetimeFigureOut">
               <a:rPr lang="en-ID" smtClean="0"/>
-              <a:t>11/06/2019</a:t>
+              <a:t>17/07/2019</a:t>
             </a:fld>
             <a:endParaRPr lang="en-ID"/>
           </a:p>
@@ -2098,7 +2103,7 @@
           <a:p>
             <a:fld id="{AB12B46A-5483-418B-98D9-899C32F0B18B}" type="datetimeFigureOut">
               <a:rPr lang="en-ID" smtClean="0"/>
-              <a:t>11/06/2019</a:t>
+              <a:t>17/07/2019</a:t>
             </a:fld>
             <a:endParaRPr lang="en-ID"/>
           </a:p>
@@ -2355,7 +2360,7 @@
           <a:p>
             <a:fld id="{AB12B46A-5483-418B-98D9-899C32F0B18B}" type="datetimeFigureOut">
               <a:rPr lang="en-ID" smtClean="0"/>
-              <a:t>11/06/2019</a:t>
+              <a:t>17/07/2019</a:t>
             </a:fld>
             <a:endParaRPr lang="en-ID"/>
           </a:p>
@@ -2568,7 +2573,7 @@
           <a:p>
             <a:fld id="{AB12B46A-5483-418B-98D9-899C32F0B18B}" type="datetimeFigureOut">
               <a:rPr lang="en-ID" smtClean="0"/>
-              <a:t>11/06/2019</a:t>
+              <a:t>17/07/2019</a:t>
             </a:fld>
             <a:endParaRPr lang="en-ID"/>
           </a:p>
@@ -3171,67 +3176,42 @@
           <a:chExt cx="0" cy="0"/>
         </a:xfrm>
       </p:grpSpPr>
-      <p:sp>
-        <p:nvSpPr>
-          <p:cNvPr id="2" name="Oval 1">
+      <p:pic>
+        <p:nvPicPr>
+          <p:cNvPr id="4" name="Picture 3">
             <a:extLst>
               <a:ext uri="{FF2B5EF4-FFF2-40B4-BE49-F238E27FC236}">
-                <a16:creationId xmlns:a16="http://schemas.microsoft.com/office/drawing/2014/main" id="{71703674-842E-447B-891B-F0E26CFCC9C6}"/>
+                <a16:creationId xmlns:a16="http://schemas.microsoft.com/office/drawing/2014/main" id="{269E6005-42B7-40F0-AAD4-46073E55AE37}"/>
               </a:ext>
             </a:extLst>
           </p:cNvPr>
-          <p:cNvSpPr/>
+          <p:cNvPicPr>
+            <a:picLocks noChangeAspect="1"/>
+          </p:cNvPicPr>
           <p:nvPr/>
-        </p:nvSpPr>
-        <p:spPr>
-          <a:xfrm>
-            <a:off x="18006" y="18006"/>
-            <a:ext cx="1080000" cy="1080000"/>
-          </a:xfrm>
-          <a:prstGeom prst="ellipse">
+        </p:nvPicPr>
+        <p:blipFill>
+          <a:blip r:embed="rId2">
+            <a:extLst>
+              <a:ext uri="{28A0092B-C50C-407E-A947-70E740481C1C}">
+                <a14:useLocalDpi xmlns:a14="http://schemas.microsoft.com/office/drawing/2010/main" val="0"/>
+              </a:ext>
+            </a:extLst>
+          </a:blip>
+          <a:stretch>
+            <a:fillRect/>
+          </a:stretch>
+        </p:blipFill>
+        <p:spPr>
+          <a:xfrm>
+            <a:off x="794" y="794"/>
+            <a:ext cx="1114425" cy="1114425"/>
+          </a:xfrm>
+          <a:prstGeom prst="rect">
             <a:avLst/>
           </a:prstGeom>
-          <a:noFill/>
-          <a:ln w="28575">
-            <a:solidFill>
-              <a:schemeClr val="accent6"/>
-            </a:solidFill>
-          </a:ln>
-        </p:spPr>
-        <p:style>
-          <a:lnRef idx="2">
-            <a:schemeClr val="accent1">
-              <a:shade val="50000"/>
-            </a:schemeClr>
-          </a:lnRef>
-          <a:fillRef idx="1">
-            <a:schemeClr val="accent1"/>
-          </a:fillRef>
-          <a:effectRef idx="0">
-            <a:schemeClr val="accent1"/>
-          </a:effectRef>
-          <a:fontRef idx="minor">
-            <a:schemeClr val="lt1"/>
-          </a:fontRef>
-        </p:style>
-        <p:txBody>
-          <a:bodyPr rot="0" spcFirstLastPara="0" vertOverflow="overflow" horzOverflow="overflow" vert="horz" wrap="square" lIns="91440" tIns="45720" rIns="91440" bIns="45720" numCol="1" spcCol="0" rtlCol="0" fromWordArt="0" anchor="ctr" anchorCtr="0" forceAA="0" compatLnSpc="1">
-            <a:prstTxWarp prst="textNoShape">
-              <a:avLst/>
-            </a:prstTxWarp>
-            <a:noAutofit/>
-          </a:bodyPr>
-          <a:lstStyle/>
-          <a:p>
-            <a:pPr algn="ctr"/>
-            <a:endParaRPr lang="en-ID" dirty="0">
-              <a:solidFill>
-                <a:schemeClr val="accent6"/>
-              </a:solidFill>
-            </a:endParaRPr>
-          </a:p>
-        </p:txBody>
-      </p:sp>
+        </p:spPr>
+      </p:pic>
     </p:spTree>
     <p:extLst>
       <p:ext uri="{BB962C8B-B14F-4D97-AF65-F5344CB8AC3E}">

--- a/GUI/Icon/Icon Generator.pptx
+++ b/GUI/Icon/Icon Generator.pptx
@@ -13,6 +13,7 @@
     <p:sldId id="260" r:id="rId7"/>
     <p:sldId id="261" r:id="rId8"/>
     <p:sldId id="262" r:id="rId9"/>
+    <p:sldId id="264" r:id="rId10"/>
   </p:sldIdLst>
   <p:sldSz cx="1116013" cy="1116013"/>
   <p:notesSz cx="6858000" cy="9144000"/>
@@ -250,7 +251,7 @@
           <a:p>
             <a:fld id="{AB12B46A-5483-418B-98D9-899C32F0B18B}" type="datetimeFigureOut">
               <a:rPr lang="en-ID" smtClean="0"/>
-              <a:t>17/07/2019</a:t>
+              <a:t>18/07/2019</a:t>
             </a:fld>
             <a:endParaRPr lang="en-ID"/>
           </a:p>
@@ -420,7 +421,7 @@
           <a:p>
             <a:fld id="{AB12B46A-5483-418B-98D9-899C32F0B18B}" type="datetimeFigureOut">
               <a:rPr lang="en-ID" smtClean="0"/>
-              <a:t>17/07/2019</a:t>
+              <a:t>18/07/2019</a:t>
             </a:fld>
             <a:endParaRPr lang="en-ID"/>
           </a:p>
@@ -600,7 +601,7 @@
           <a:p>
             <a:fld id="{AB12B46A-5483-418B-98D9-899C32F0B18B}" type="datetimeFigureOut">
               <a:rPr lang="en-ID" smtClean="0"/>
-              <a:t>17/07/2019</a:t>
+              <a:t>18/07/2019</a:t>
             </a:fld>
             <a:endParaRPr lang="en-ID"/>
           </a:p>
@@ -770,7 +771,7 @@
           <a:p>
             <a:fld id="{AB12B46A-5483-418B-98D9-899C32F0B18B}" type="datetimeFigureOut">
               <a:rPr lang="en-ID" smtClean="0"/>
-              <a:t>17/07/2019</a:t>
+              <a:t>18/07/2019</a:t>
             </a:fld>
             <a:endParaRPr lang="en-ID"/>
           </a:p>
@@ -1014,7 +1015,7 @@
           <a:p>
             <a:fld id="{AB12B46A-5483-418B-98D9-899C32F0B18B}" type="datetimeFigureOut">
               <a:rPr lang="en-ID" smtClean="0"/>
-              <a:t>17/07/2019</a:t>
+              <a:t>18/07/2019</a:t>
             </a:fld>
             <a:endParaRPr lang="en-ID"/>
           </a:p>
@@ -1246,7 +1247,7 @@
           <a:p>
             <a:fld id="{AB12B46A-5483-418B-98D9-899C32F0B18B}" type="datetimeFigureOut">
               <a:rPr lang="en-ID" smtClean="0"/>
-              <a:t>17/07/2019</a:t>
+              <a:t>18/07/2019</a:t>
             </a:fld>
             <a:endParaRPr lang="en-ID"/>
           </a:p>
@@ -1613,7 +1614,7 @@
           <a:p>
             <a:fld id="{AB12B46A-5483-418B-98D9-899C32F0B18B}" type="datetimeFigureOut">
               <a:rPr lang="en-ID" smtClean="0"/>
-              <a:t>17/07/2019</a:t>
+              <a:t>18/07/2019</a:t>
             </a:fld>
             <a:endParaRPr lang="en-ID"/>
           </a:p>
@@ -1731,7 +1732,7 @@
           <a:p>
             <a:fld id="{AB12B46A-5483-418B-98D9-899C32F0B18B}" type="datetimeFigureOut">
               <a:rPr lang="en-ID" smtClean="0"/>
-              <a:t>17/07/2019</a:t>
+              <a:t>18/07/2019</a:t>
             </a:fld>
             <a:endParaRPr lang="en-ID"/>
           </a:p>
@@ -1826,7 +1827,7 @@
           <a:p>
             <a:fld id="{AB12B46A-5483-418B-98D9-899C32F0B18B}" type="datetimeFigureOut">
               <a:rPr lang="en-ID" smtClean="0"/>
-              <a:t>17/07/2019</a:t>
+              <a:t>18/07/2019</a:t>
             </a:fld>
             <a:endParaRPr lang="en-ID"/>
           </a:p>
@@ -2103,7 +2104,7 @@
           <a:p>
             <a:fld id="{AB12B46A-5483-418B-98D9-899C32F0B18B}" type="datetimeFigureOut">
               <a:rPr lang="en-ID" smtClean="0"/>
-              <a:t>17/07/2019</a:t>
+              <a:t>18/07/2019</a:t>
             </a:fld>
             <a:endParaRPr lang="en-ID"/>
           </a:p>
@@ -2360,7 +2361,7 @@
           <a:p>
             <a:fld id="{AB12B46A-5483-418B-98D9-899C32F0B18B}" type="datetimeFigureOut">
               <a:rPr lang="en-ID" smtClean="0"/>
-              <a:t>17/07/2019</a:t>
+              <a:t>18/07/2019</a:t>
             </a:fld>
             <a:endParaRPr lang="en-ID"/>
           </a:p>
@@ -2573,7 +2574,7 @@
           <a:p>
             <a:fld id="{AB12B46A-5483-418B-98D9-899C32F0B18B}" type="datetimeFigureOut">
               <a:rPr lang="en-ID" smtClean="0"/>
-              <a:t>17/07/2019</a:t>
+              <a:t>18/07/2019</a:t>
             </a:fld>
             <a:endParaRPr lang="en-ID"/>
           </a:p>
@@ -4335,6 +4336,36 @@
 </p:sld>
 </file>
 
+<file path=ppt/slides/slide9.xml><?xml version="1.0" encoding="utf-8"?>
+<p:sld xmlns:a="http://schemas.openxmlformats.org/drawingml/2006/main" xmlns:r="http://schemas.openxmlformats.org/officeDocument/2006/relationships" xmlns:p="http://schemas.openxmlformats.org/presentationml/2006/main">
+  <p:cSld>
+    <p:spTree>
+      <p:nvGrpSpPr>
+        <p:cNvPr id="1" name=""/>
+        <p:cNvGrpSpPr/>
+        <p:nvPr/>
+      </p:nvGrpSpPr>
+      <p:grpSpPr>
+        <a:xfrm>
+          <a:off x="0" y="0"/>
+          <a:ext cx="0" cy="0"/>
+          <a:chOff x="0" y="0"/>
+          <a:chExt cx="0" cy="0"/>
+        </a:xfrm>
+      </p:grpSpPr>
+    </p:spTree>
+    <p:extLst>
+      <p:ext uri="{BB962C8B-B14F-4D97-AF65-F5344CB8AC3E}">
+        <p14:creationId xmlns:p14="http://schemas.microsoft.com/office/powerpoint/2010/main" val="782308731"/>
+      </p:ext>
+    </p:extLst>
+  </p:cSld>
+  <p:clrMapOvr>
+    <a:masterClrMapping/>
+  </p:clrMapOvr>
+</p:sld>
+</file>
+
 <file path=ppt/theme/theme1.xml><?xml version="1.0" encoding="utf-8"?>
 <a:theme xmlns:a="http://schemas.openxmlformats.org/drawingml/2006/main" name="Office Theme">
   <a:themeElements>
